--- a/순서도.pptx
+++ b/순서도.pptx
@@ -2,7 +2,7 @@
 <file path=ppt/presentation.xml><?xml version="1.0" encoding="utf-8"?>
 <p:presentation xmlns:r="http://schemas.openxmlformats.org/officeDocument/2006/relationships" xmlns:c="http://schemas.openxmlformats.org/drawingml/2006/chart" xmlns:a="http://schemas.openxmlformats.org/drawingml/2006/main" xmlns:dgm="http://schemas.openxmlformats.org/drawingml/2006/diagram" xmlns:dsp="http://schemas.microsoft.com/office/drawing/2008/diagram" xmlns:p="http://schemas.openxmlformats.org/presentationml/2006/main">
   <p:sldMasterIdLst>
-    <p:sldMasterId id="2147483727" r:id="rId1"/>
+    <p:sldMasterId id="2147483718" r:id="rId1"/>
   </p:sldMasterIdLst>
   <p:sldIdLst>
     <p:sldId id="256" r:id="rId2"/>
@@ -3196,7 +3196,12 @@
             <p:ph type="ctrTitle" idx="0"/>
           </p:nvPr>
         </p:nvSpPr>
-        <p:spPr/>
+        <p:spPr>
+          <a:xfrm>
+            <a:off x="914399" y="2130425"/>
+            <a:ext cx="10363198" cy="2045493"/>
+          </a:xfrm>
+        </p:spPr>
         <p:txBody>
           <a:bodyPr/>
           <a:lstStyle/>
@@ -3211,7 +3216,26 @@
               </a:rPr>
               <a:t>경찰 지망생의 꿈</a:t>
             </a:r>
-            <a:endParaRPr lang="ko-KR" altLang="en-US">
+            <a:br>
+              <a:rPr lang="ko-KR" altLang="en-US" sz="3000">
+                <a:latin typeface="메이플스토리"/>
+                <a:ea typeface="메이플스토리"/>
+              </a:rPr>
+            </a:br>
+            <a:br>
+              <a:rPr lang="ko-KR" altLang="en-US" sz="3000">
+                <a:latin typeface="메이플스토리"/>
+                <a:ea typeface="메이플스토리"/>
+              </a:rPr>
+            </a:br>
+            <a:r>
+              <a:rPr lang="ko-KR" altLang="en-US" sz="3000">
+                <a:latin typeface="메이플스토리"/>
+                <a:ea typeface="메이플스토리"/>
+              </a:rPr>
+              <a:t>순서도</a:t>
+            </a:r>
+            <a:endParaRPr lang="ko-KR" altLang="en-US" sz="3000">
               <a:latin typeface="메이플스토리"/>
               <a:ea typeface="메이플스토리"/>
             </a:endParaRPr>
